--- a/Figure-5-1/Figure51/Figure51_wholecolumn.pptx
+++ b/Figure-5-1/Figure51/Figure51_wholecolumn.pptx
@@ -697,6 +697,60 @@
             <a:r>
               <a:rPr/>
               <a:t>2020-21</a:t>
+            </a:r>
+          </a:p>
+          <a:p>
+            <a:pPr lvl="0" marL="0" indent="0">
+              <a:buNone/>
+            </a:pPr>
+          </a:p>
+          <a:p>
+            <a:pPr lvl="0" marL="0" indent="0">
+              <a:buNone/>
+            </a:pPr>
+            <a:r>
+              <a:rPr/>
+              <a:t>Source:</a:t>
+            </a:r>
+            <a:r>
+              <a:rPr/>
+              <a:t> </a:t>
+            </a:r>
+            <a:r>
+              <a:rPr/>
+              <a:t>ATO</a:t>
+            </a:r>
+            <a:r>
+              <a:rPr/>
+              <a:t> </a:t>
+            </a:r>
+            <a:r>
+              <a:rPr/>
+              <a:t>2017-18</a:t>
+            </a:r>
+            <a:r>
+              <a:rPr/>
+              <a:t> </a:t>
+            </a:r>
+            <a:r>
+              <a:rPr/>
+              <a:t>2%</a:t>
+            </a:r>
+            <a:r>
+              <a:rPr/>
+              <a:t> </a:t>
+            </a:r>
+            <a:r>
+              <a:rPr/>
+              <a:t>sample</a:t>
+            </a:r>
+            <a:r>
+              <a:rPr/>
+              <a:t> </a:t>
+            </a:r>
+            <a:r>
+              <a:rPr/>
+              <a:t>file</a:t>
             </a:r>
           </a:p>
           <a:p>
